--- a/crawcour_makogon_documentdb.pptx
+++ b/crawcour_makogon_documentdb.pptx
@@ -218,7 +218,7 @@
           <a:p>
             <a:fld id="{554481DA-44F1-3746-B19A-AB72460DEAAC}" type="datetimeFigureOut">
               <a:rPr lang="en-US" smtClean="0"/>
-              <a:t>9/2/15</a:t>
+              <a:t>9/2/2015</a:t>
             </a:fld>
             <a:endParaRPr lang="en-US"/>
           </a:p>
@@ -1165,7 +1165,7 @@
                 <a:tabLst/>
                 <a:defRPr/>
               </a:pPr>
-              <a:t>9/2/15 1:41 PM</a:t>
+              <a:t>9/2/2015 14:03</a:t>
             </a:fld>
             <a:endParaRPr kumimoji="0" lang="en-US" altLang="en-US" sz="1200" b="0" i="0" u="none" strike="noStrike" kern="1200" cap="none" spc="0" normalizeH="0" baseline="0" noProof="0" smtClean="0">
               <a:ln>
@@ -33230,72 +33230,116 @@
           </a:p>
         </p:txBody>
       </p:sp>
-      <p:grpSp>
-        <p:nvGrpSpPr>
-          <p:cNvPr id="39" name="Group 38"/>
-          <p:cNvGrpSpPr/>
+      <p:sp>
+        <p:nvSpPr>
+          <p:cNvPr id="40" name="Rounded Rectangle 39"/>
+          <p:cNvSpPr/>
           <p:nvPr/>
-        </p:nvGrpSpPr>
-        <p:grpSpPr>
+        </p:nvSpPr>
+        <p:spPr bwMode="auto">
           <a:xfrm>
-            <a:off x="259477" y="2084363"/>
-            <a:ext cx="4238354" cy="4107182"/>
-            <a:chOff x="259477" y="2084363"/>
-            <a:chExt cx="4238354" cy="4107182"/>
+            <a:off x="1089404" y="2084363"/>
+            <a:ext cx="2427817" cy="2468094"/>
           </a:xfrm>
+          <a:prstGeom prst="roundRect">
+            <a:avLst/>
+          </a:prstGeom>
           <a:solidFill>
             <a:schemeClr val="tx1"/>
           </a:solidFill>
-        </p:grpSpPr>
-        <p:sp>
-          <p:nvSpPr>
-            <p:cNvPr id="40" name="Rounded Rectangle 39"/>
-            <p:cNvSpPr/>
-            <p:nvPr/>
-          </p:nvSpPr>
-          <p:spPr bwMode="auto">
-            <a:xfrm>
-              <a:off x="1089404" y="2084363"/>
-              <a:ext cx="2427817" cy="2468094"/>
-            </a:xfrm>
-            <a:prstGeom prst="roundRect">
+          <a:ln w="10795" cap="flat" cmpd="sng" algn="ctr">
+            <a:noFill/>
+            <a:prstDash val="solid"/>
+            <a:headEnd type="none" w="med" len="med"/>
+            <a:tailEnd type="none" w="med" len="med"/>
+          </a:ln>
+          <a:effectLst/>
+        </p:spPr>
+        <p:txBody>
+          <a:bodyPr vert="horz" wrap="square" lIns="0" tIns="45720" rIns="0" bIns="45720" numCol="1" rtlCol="0" anchor="ctr" anchorCtr="0" compatLnSpc="1">
+            <a:prstTxWarp prst="textNoShape">
               <a:avLst/>
-            </a:prstGeom>
-            <a:grpFill/>
-            <a:ln w="10795" cap="flat" cmpd="sng" algn="ctr">
-              <a:noFill/>
-              <a:prstDash val="solid"/>
-              <a:headEnd type="none" w="med" len="med"/>
-              <a:tailEnd type="none" w="med" len="med"/>
-            </a:ln>
-            <a:effectLst/>
-          </p:spPr>
-          <p:txBody>
-            <a:bodyPr vert="horz" wrap="square" lIns="0" tIns="45720" rIns="0" bIns="45720" numCol="1" rtlCol="0" anchor="ctr" anchorCtr="0" compatLnSpc="1">
-              <a:prstTxWarp prst="textNoShape">
-                <a:avLst/>
-              </a:prstTxWarp>
-            </a:bodyPr>
-            <a:lstStyle/>
-            <a:p>
-              <a:pPr marL="0" marR="0" lvl="0" indent="0" algn="ctr" defTabSz="914030" eaLnBrk="1" fontAlgn="base" latinLnBrk="0" hangingPunct="1">
-                <a:lnSpc>
-                  <a:spcPct val="100000"/>
-                </a:lnSpc>
-                <a:spcBef>
-                  <a:spcPct val="0"/>
-                </a:spcBef>
-                <a:spcAft>
-                  <a:spcPct val="0"/>
-                </a:spcAft>
-                <a:buClrTx/>
-                <a:buSzTx/>
-                <a:buFontTx/>
-                <a:buNone/>
-                <a:tabLst/>
-                <a:defRPr/>
-              </a:pPr>
-              <a:endParaRPr kumimoji="0" lang="en-US" sz="1961" b="0" i="0" u="none" strike="noStrike" kern="0" cap="none" spc="0" normalizeH="0" baseline="0" noProof="0" dirty="0" smtClean="0">
+            </a:prstTxWarp>
+          </a:bodyPr>
+          <a:lstStyle/>
+          <a:p>
+            <a:pPr marL="0" marR="0" lvl="0" indent="0" algn="ctr" defTabSz="914030" eaLnBrk="1" fontAlgn="base" latinLnBrk="0" hangingPunct="1">
+              <a:lnSpc>
+                <a:spcPct val="100000"/>
+              </a:lnSpc>
+              <a:spcBef>
+                <a:spcPct val="0"/>
+              </a:spcBef>
+              <a:spcAft>
+                <a:spcPct val="0"/>
+              </a:spcAft>
+              <a:buClrTx/>
+              <a:buSzTx/>
+              <a:buFontTx/>
+              <a:buNone/>
+              <a:tabLst/>
+              <a:defRPr/>
+            </a:pPr>
+            <a:endParaRPr kumimoji="0" lang="en-US" sz="1961" b="0" i="0" u="none" strike="noStrike" kern="0" cap="none" spc="0" normalizeH="0" baseline="0" noProof="0" dirty="0" smtClean="0">
+              <a:ln>
+                <a:noFill/>
+              </a:ln>
+              <a:solidFill>
+                <a:schemeClr val="bg1"/>
+              </a:solidFill>
+              <a:effectLst/>
+              <a:uLnTx/>
+              <a:uFillTx/>
+              <a:latin typeface="Segoe UI"/>
+              <a:ea typeface=""/>
+              <a:cs typeface=""/>
+            </a:endParaRPr>
+          </a:p>
+        </p:txBody>
+      </p:sp>
+      <p:sp>
+        <p:nvSpPr>
+          <p:cNvPr id="41" name="TextBox 40"/>
+          <p:cNvSpPr txBox="1"/>
+          <p:nvPr/>
+        </p:nvSpPr>
+        <p:spPr>
+          <a:xfrm>
+            <a:off x="426423" y="4698935"/>
+            <a:ext cx="3753779" cy="677456"/>
+          </a:xfrm>
+          <a:prstGeom prst="rect">
+            <a:avLst/>
+          </a:prstGeom>
+          <a:solidFill>
+            <a:schemeClr val="tx1"/>
+          </a:solidFill>
+        </p:spPr>
+        <p:txBody>
+          <a:bodyPr wrap="square" lIns="179285" tIns="143428" rIns="179285" bIns="143428" rtlCol="0">
+            <a:spAutoFit/>
+          </a:bodyPr>
+          <a:lstStyle/>
+          <a:p>
+            <a:pPr marL="0" marR="0" lvl="0" indent="0" algn="ctr" defTabSz="914367" eaLnBrk="1" fontAlgn="auto" latinLnBrk="0" hangingPunct="1">
+              <a:lnSpc>
+                <a:spcPct val="90000"/>
+              </a:lnSpc>
+              <a:spcBef>
+                <a:spcPts val="0"/>
+              </a:spcBef>
+              <a:spcAft>
+                <a:spcPts val="588"/>
+              </a:spcAft>
+              <a:buClrTx/>
+              <a:buSzTx/>
+              <a:buFontTx/>
+              <a:buNone/>
+              <a:tabLst/>
+              <a:defRPr/>
+            </a:pPr>
+            <a:r>
+              <a:rPr kumimoji="0" lang="en-US" sz="2800" b="0" i="0" u="none" strike="noStrike" kern="0" cap="none" spc="0" normalizeH="0" baseline="0" noProof="0" dirty="0" smtClean="0">
                 <a:ln>
                   <a:noFill/>
                 </a:ln>
@@ -33305,202 +33349,56 @@
                 <a:effectLst/>
                 <a:uLnTx/>
                 <a:uFillTx/>
-                <a:latin typeface="Segoe UI"/>
-                <a:ea typeface=""/>
-                <a:cs typeface=""/>
-              </a:endParaRPr>
-            </a:p>
-          </p:txBody>
-        </p:sp>
-        <p:sp>
-          <p:nvSpPr>
-            <p:cNvPr id="41" name="TextBox 40"/>
-            <p:cNvSpPr txBox="1"/>
-            <p:nvPr/>
-          </p:nvSpPr>
-          <p:spPr>
-            <a:xfrm>
-              <a:off x="426423" y="4698935"/>
-              <a:ext cx="3753779" cy="677456"/>
-            </a:xfrm>
-            <a:prstGeom prst="rect">
-              <a:avLst/>
-            </a:prstGeom>
-            <a:grpFill/>
-          </p:spPr>
-          <p:txBody>
-            <a:bodyPr wrap="square" lIns="179285" tIns="143428" rIns="179285" bIns="143428" rtlCol="0">
-              <a:spAutoFit/>
-            </a:bodyPr>
-            <a:lstStyle/>
-            <a:p>
-              <a:pPr marL="0" marR="0" lvl="0" indent="0" algn="ctr" defTabSz="914367" eaLnBrk="1" fontAlgn="auto" latinLnBrk="0" hangingPunct="1">
-                <a:lnSpc>
-                  <a:spcPct val="90000"/>
-                </a:lnSpc>
-                <a:spcBef>
-                  <a:spcPts val="0"/>
-                </a:spcBef>
-                <a:spcAft>
-                  <a:spcPts val="588"/>
-                </a:spcAft>
-                <a:buClrTx/>
-                <a:buSzTx/>
-                <a:buFontTx/>
-                <a:buNone/>
-                <a:tabLst/>
-                <a:defRPr/>
-              </a:pPr>
-              <a:r>
-                <a:rPr kumimoji="0" lang="en-US" sz="2800" b="0" i="0" u="none" strike="noStrike" kern="0" cap="none" spc="0" normalizeH="0" baseline="0" noProof="0" dirty="0" smtClean="0">
-                  <a:ln>
-                    <a:noFill/>
-                  </a:ln>
-                  <a:solidFill>
-                    <a:schemeClr val="bg1"/>
-                  </a:solidFill>
-                  <a:effectLst/>
-                  <a:uLnTx/>
-                  <a:uFillTx/>
-                  <a:latin typeface="Segoe UI Light"/>
-                </a:rPr>
-                <a:t>explore playground</a:t>
-              </a:r>
-            </a:p>
-          </p:txBody>
-        </p:sp>
-        <p:pic>
-          <p:nvPicPr>
-            <p:cNvPr id="42" name="Picture 41"/>
-            <p:cNvPicPr>
-              <a:picLocks noChangeAspect="1"/>
-            </p:cNvPicPr>
-            <p:nvPr/>
-          </p:nvPicPr>
-          <p:blipFill>
-            <a:blip r:embed="rId2">
-              <a:duotone>
-                <a:prstClr val="black"/>
-                <a:srgbClr val="00B0F0">
-                  <a:tint val="45000"/>
-                  <a:satMod val="400000"/>
-                </a:srgbClr>
-              </a:duotone>
-              <a:lum contrast="2000"/>
-              <a:extLst>
-                <a:ext uri="{28A0092B-C50C-407E-A947-70E740481C1C}">
-                  <a14:useLocalDpi xmlns:a14="http://schemas.microsoft.com/office/drawing/2010/main" val="0"/>
-                </a:ext>
-              </a:extLst>
-            </a:blip>
-            <a:stretch>
-              <a:fillRect/>
-            </a:stretch>
-          </p:blipFill>
-          <p:spPr>
-            <a:xfrm>
-              <a:off x="2303312" y="3343775"/>
-              <a:ext cx="764951" cy="764951"/>
-            </a:xfrm>
-            <a:prstGeom prst="rect">
-              <a:avLst/>
-            </a:prstGeom>
-            <a:grpFill/>
-            <a:ln>
-              <a:solidFill>
-                <a:srgbClr val="2579D6"/>
-              </a:solidFill>
-            </a:ln>
-          </p:spPr>
-        </p:pic>
-        <p:sp>
-          <p:nvSpPr>
-            <p:cNvPr id="43" name="TextBox 42"/>
-            <p:cNvSpPr txBox="1"/>
-            <p:nvPr/>
-          </p:nvSpPr>
-          <p:spPr>
-            <a:xfrm>
-              <a:off x="728133" y="2540150"/>
-              <a:ext cx="3769698" cy="677456"/>
-            </a:xfrm>
-            <a:prstGeom prst="rect">
-              <a:avLst/>
-            </a:prstGeom>
-            <a:grpFill/>
-          </p:spPr>
-          <p:txBody>
-            <a:bodyPr wrap="square" lIns="179285" tIns="143428" rIns="179285" bIns="143428" rtlCol="0">
-              <a:spAutoFit/>
-            </a:bodyPr>
-            <a:lstStyle/>
-            <a:p>
-              <a:pPr marL="0" marR="0" lvl="0" indent="0" defTabSz="914367" eaLnBrk="1" fontAlgn="auto" latinLnBrk="0" hangingPunct="1">
-                <a:lnSpc>
-                  <a:spcPct val="90000"/>
-                </a:lnSpc>
-                <a:spcBef>
-                  <a:spcPts val="0"/>
-                </a:spcBef>
-                <a:spcAft>
-                  <a:spcPts val="588"/>
-                </a:spcAft>
-                <a:buClrTx/>
-                <a:buSzTx/>
-                <a:buFontTx/>
-                <a:buNone/>
-                <a:tabLst/>
-                <a:defRPr/>
-              </a:pPr>
-              <a:r>
-                <a:rPr kumimoji="0" lang="en-US" sz="1400" b="1" i="0" u="none" strike="noStrike" kern="0" cap="none" spc="0" normalizeH="0" baseline="0" noProof="0" dirty="0" smtClean="0">
-                  <a:ln>
-                    <a:noFill/>
-                  </a:ln>
-                  <a:solidFill>
-                    <a:srgbClr val="2579D6"/>
-                  </a:solidFill>
-                  <a:effectLst/>
-                  <a:uLnTx/>
-                  <a:uFillTx/>
-                  <a:latin typeface="Courier New" panose="02070309020205020404" pitchFamily="49" charset="0"/>
-                  <a:cs typeface="Courier New" panose="02070309020205020404" pitchFamily="49" charset="0"/>
-                </a:rPr>
-                <a:t>select * from playground p where p.name = "</a:t>
-              </a:r>
-              <a:r>
-                <a:rPr kumimoji="0" lang="en-US" sz="1400" b="1" i="0" u="none" strike="noStrike" kern="0" cap="none" spc="0" normalizeH="0" baseline="0" noProof="0" dirty="0" err="1" smtClean="0">
-                  <a:ln>
-                    <a:noFill/>
-                  </a:ln>
-                  <a:solidFill>
-                    <a:srgbClr val="2579D6"/>
-                  </a:solidFill>
-                  <a:effectLst/>
-                  <a:uLnTx/>
-                  <a:uFillTx/>
-                  <a:latin typeface="Courier New" panose="02070309020205020404" pitchFamily="49" charset="0"/>
-                  <a:cs typeface="Courier New" panose="02070309020205020404" pitchFamily="49" charset="0"/>
-                </a:rPr>
-                <a:t>DocumentDB</a:t>
-              </a:r>
-              <a:r>
-                <a:rPr kumimoji="0" lang="en-US" sz="1400" b="1" i="0" u="none" strike="noStrike" kern="0" cap="none" spc="0" normalizeH="0" baseline="0" noProof="0" dirty="0" smtClean="0">
-                  <a:ln>
-                    <a:noFill/>
-                  </a:ln>
-                  <a:solidFill>
-                    <a:srgbClr val="2579D6"/>
-                  </a:solidFill>
-                  <a:effectLst/>
-                  <a:uLnTx/>
-                  <a:uFillTx/>
-                  <a:latin typeface="Courier New" panose="02070309020205020404" pitchFamily="49" charset="0"/>
-                  <a:cs typeface="Courier New" panose="02070309020205020404" pitchFamily="49" charset="0"/>
-                </a:rPr>
-                <a:t>"</a:t>
-              </a:r>
-              <a:endParaRPr kumimoji="0" lang="en-US" sz="3200" b="1" i="0" u="none" strike="noStrike" kern="0" cap="none" spc="0" normalizeH="0" baseline="0" noProof="0" dirty="0" smtClean="0">
+                <a:latin typeface="Segoe UI Light"/>
+              </a:rPr>
+              <a:t>explore playground</a:t>
+            </a:r>
+          </a:p>
+        </p:txBody>
+      </p:sp>
+      <p:sp>
+        <p:nvSpPr>
+          <p:cNvPr id="43" name="TextBox 42"/>
+          <p:cNvSpPr txBox="1"/>
+          <p:nvPr/>
+        </p:nvSpPr>
+        <p:spPr>
+          <a:xfrm>
+            <a:off x="728133" y="2540150"/>
+            <a:ext cx="3769698" cy="677456"/>
+          </a:xfrm>
+          <a:prstGeom prst="rect">
+            <a:avLst/>
+          </a:prstGeom>
+          <a:solidFill>
+            <a:schemeClr val="tx1"/>
+          </a:solidFill>
+        </p:spPr>
+        <p:txBody>
+          <a:bodyPr wrap="square" lIns="179285" tIns="143428" rIns="179285" bIns="143428" rtlCol="0">
+            <a:spAutoFit/>
+          </a:bodyPr>
+          <a:lstStyle/>
+          <a:p>
+            <a:pPr marL="0" marR="0" lvl="0" indent="0" defTabSz="914367" eaLnBrk="1" fontAlgn="auto" latinLnBrk="0" hangingPunct="1">
+              <a:lnSpc>
+                <a:spcPct val="90000"/>
+              </a:lnSpc>
+              <a:spcBef>
+                <a:spcPts val="0"/>
+              </a:spcBef>
+              <a:spcAft>
+                <a:spcPts val="588"/>
+              </a:spcAft>
+              <a:buClrTx/>
+              <a:buSzTx/>
+              <a:buFontTx/>
+              <a:buNone/>
+              <a:tabLst/>
+              <a:defRPr/>
+            </a:pPr>
+            <a:r>
+              <a:rPr kumimoji="0" lang="en-US" sz="1400" b="1" i="0" u="none" strike="noStrike" kern="0" cap="none" spc="0" normalizeH="0" baseline="0" noProof="0" dirty="0" smtClean="0">
                 <a:ln>
                   <a:noFill/>
                 </a:ln>
@@ -33512,82 +33410,100 @@
                 <a:uFillTx/>
                 <a:latin typeface="Courier New" panose="02070309020205020404" pitchFamily="49" charset="0"/>
                 <a:cs typeface="Courier New" panose="02070309020205020404" pitchFamily="49" charset="0"/>
-              </a:endParaRPr>
-            </a:p>
-          </p:txBody>
-        </p:sp>
-        <p:sp>
-          <p:nvSpPr>
-            <p:cNvPr id="44" name="TextBox 43"/>
-            <p:cNvSpPr txBox="1"/>
-            <p:nvPr/>
-          </p:nvSpPr>
-          <p:spPr>
-            <a:xfrm>
-              <a:off x="259477" y="5569489"/>
-              <a:ext cx="4100274" cy="622056"/>
-            </a:xfrm>
-            <a:prstGeom prst="rect">
-              <a:avLst/>
-            </a:prstGeom>
-            <a:grpFill/>
-          </p:spPr>
-          <p:txBody>
-            <a:bodyPr wrap="none" lIns="179285" tIns="143428" rIns="179285" bIns="143428" rtlCol="0">
-              <a:spAutoFit/>
-            </a:bodyPr>
-            <a:lstStyle/>
-            <a:p>
-              <a:pPr marL="0" marR="0" lvl="0" indent="0" defTabSz="914367" eaLnBrk="1" fontAlgn="auto" latinLnBrk="0" hangingPunct="1">
-                <a:lnSpc>
-                  <a:spcPct val="90000"/>
-                </a:lnSpc>
-                <a:spcBef>
-                  <a:spcPts val="0"/>
-                </a:spcBef>
-                <a:spcAft>
-                  <a:spcPts val="588"/>
-                </a:spcAft>
-                <a:buClrTx/>
-                <a:buSzTx/>
-                <a:buFontTx/>
-                <a:buNone/>
-                <a:tabLst/>
-                <a:defRPr/>
-              </a:pPr>
-              <a:r>
-                <a:rPr kumimoji="0" lang="en-US" sz="2400" b="1" i="0" u="none" strike="noStrike" kern="0" cap="none" spc="0" normalizeH="0" baseline="0" noProof="0" dirty="0" smtClean="0">
-                  <a:ln>
-                    <a:noFill/>
-                  </a:ln>
-                  <a:solidFill>
-                    <a:schemeClr val="bg1"/>
-                  </a:solidFill>
-                  <a:effectLst/>
-                  <a:uLnTx/>
-                  <a:uFillTx/>
-                  <a:latin typeface="Consolas" panose="020B0609020204030204" pitchFamily="49" charset="0"/>
-                  <a:cs typeface="Consolas" panose="020B0609020204030204" pitchFamily="49" charset="0"/>
-                </a:rPr>
-                <a:t>aka.ms/</a:t>
-              </a:r>
-              <a:r>
-                <a:rPr kumimoji="0" lang="en-US" sz="2400" b="1" i="0" u="none" strike="noStrike" kern="0" cap="none" spc="0" normalizeH="0" baseline="0" noProof="0" dirty="0" err="1" smtClean="0">
-                  <a:ln>
-                    <a:noFill/>
-                  </a:ln>
-                  <a:solidFill>
-                    <a:schemeClr val="bg1"/>
-                  </a:solidFill>
-                  <a:effectLst/>
-                  <a:uLnTx/>
-                  <a:uFillTx/>
-                  <a:latin typeface="Consolas" panose="020B0609020204030204" pitchFamily="49" charset="0"/>
-                  <a:cs typeface="Consolas" panose="020B0609020204030204" pitchFamily="49" charset="0"/>
-                </a:rPr>
-                <a:t>docdbplayground</a:t>
-              </a:r>
-              <a:endParaRPr kumimoji="0" lang="en-US" sz="2400" b="1" i="0" u="none" strike="noStrike" kern="0" cap="none" spc="0" normalizeH="0" baseline="0" noProof="0" dirty="0" smtClean="0">
+              </a:rPr>
+              <a:t>select * from playground p where p.name = "</a:t>
+            </a:r>
+            <a:r>
+              <a:rPr kumimoji="0" lang="en-US" sz="1400" b="1" i="0" u="none" strike="noStrike" kern="0" cap="none" spc="0" normalizeH="0" baseline="0" noProof="0" dirty="0" err="1" smtClean="0">
+                <a:ln>
+                  <a:noFill/>
+                </a:ln>
+                <a:solidFill>
+                  <a:srgbClr val="2579D6"/>
+                </a:solidFill>
+                <a:effectLst/>
+                <a:uLnTx/>
+                <a:uFillTx/>
+                <a:latin typeface="Courier New" panose="02070309020205020404" pitchFamily="49" charset="0"/>
+                <a:cs typeface="Courier New" panose="02070309020205020404" pitchFamily="49" charset="0"/>
+              </a:rPr>
+              <a:t>DocumentDB</a:t>
+            </a:r>
+            <a:r>
+              <a:rPr kumimoji="0" lang="en-US" sz="1400" b="1" i="0" u="none" strike="noStrike" kern="0" cap="none" spc="0" normalizeH="0" baseline="0" noProof="0" dirty="0" smtClean="0">
+                <a:ln>
+                  <a:noFill/>
+                </a:ln>
+                <a:solidFill>
+                  <a:srgbClr val="2579D6"/>
+                </a:solidFill>
+                <a:effectLst/>
+                <a:uLnTx/>
+                <a:uFillTx/>
+                <a:latin typeface="Courier New" panose="02070309020205020404" pitchFamily="49" charset="0"/>
+                <a:cs typeface="Courier New" panose="02070309020205020404" pitchFamily="49" charset="0"/>
+              </a:rPr>
+              <a:t>"</a:t>
+            </a:r>
+            <a:endParaRPr kumimoji="0" lang="en-US" sz="3200" b="1" i="0" u="none" strike="noStrike" kern="0" cap="none" spc="0" normalizeH="0" baseline="0" noProof="0" dirty="0" smtClean="0">
+              <a:ln>
+                <a:noFill/>
+              </a:ln>
+              <a:solidFill>
+                <a:srgbClr val="2579D6"/>
+              </a:solidFill>
+              <a:effectLst/>
+              <a:uLnTx/>
+              <a:uFillTx/>
+              <a:latin typeface="Courier New" panose="02070309020205020404" pitchFamily="49" charset="0"/>
+              <a:cs typeface="Courier New" panose="02070309020205020404" pitchFamily="49" charset="0"/>
+            </a:endParaRPr>
+          </a:p>
+        </p:txBody>
+      </p:sp>
+      <p:sp>
+        <p:nvSpPr>
+          <p:cNvPr id="44" name="TextBox 43"/>
+          <p:cNvSpPr txBox="1"/>
+          <p:nvPr/>
+        </p:nvSpPr>
+        <p:spPr>
+          <a:xfrm>
+            <a:off x="259477" y="5569489"/>
+            <a:ext cx="4100274" cy="622056"/>
+          </a:xfrm>
+          <a:prstGeom prst="rect">
+            <a:avLst/>
+          </a:prstGeom>
+          <a:solidFill>
+            <a:schemeClr val="tx1"/>
+          </a:solidFill>
+        </p:spPr>
+        <p:txBody>
+          <a:bodyPr wrap="none" lIns="179285" tIns="143428" rIns="179285" bIns="143428" rtlCol="0">
+            <a:spAutoFit/>
+          </a:bodyPr>
+          <a:lstStyle/>
+          <a:p>
+            <a:pPr marL="0" marR="0" lvl="0" indent="0" defTabSz="914367" eaLnBrk="1" fontAlgn="auto" latinLnBrk="0" hangingPunct="1">
+              <a:lnSpc>
+                <a:spcPct val="90000"/>
+              </a:lnSpc>
+              <a:spcBef>
+                <a:spcPts val="0"/>
+              </a:spcBef>
+              <a:spcAft>
+                <a:spcPts val="588"/>
+              </a:spcAft>
+              <a:buClrTx/>
+              <a:buSzTx/>
+              <a:buFontTx/>
+              <a:buNone/>
+              <a:tabLst/>
+              <a:defRPr/>
+            </a:pPr>
+            <a:r>
+              <a:rPr kumimoji="0" lang="en-US" sz="2400" b="1" i="0" u="none" strike="noStrike" kern="0" cap="none" spc="0" normalizeH="0" baseline="0" noProof="0" dirty="0" smtClean="0">
                 <a:ln>
                   <a:noFill/>
                 </a:ln>
@@ -33599,11 +33515,41 @@
                 <a:uFillTx/>
                 <a:latin typeface="Consolas" panose="020B0609020204030204" pitchFamily="49" charset="0"/>
                 <a:cs typeface="Consolas" panose="020B0609020204030204" pitchFamily="49" charset="0"/>
-              </a:endParaRPr>
-            </a:p>
-          </p:txBody>
-        </p:sp>
-      </p:grpSp>
+              </a:rPr>
+              <a:t>aka.ms/</a:t>
+            </a:r>
+            <a:r>
+              <a:rPr kumimoji="0" lang="en-US" sz="2400" b="1" i="0" u="none" strike="noStrike" kern="0" cap="none" spc="0" normalizeH="0" baseline="0" noProof="0" dirty="0" err="1" smtClean="0">
+                <a:ln>
+                  <a:noFill/>
+                </a:ln>
+                <a:solidFill>
+                  <a:schemeClr val="bg1"/>
+                </a:solidFill>
+                <a:effectLst/>
+                <a:uLnTx/>
+                <a:uFillTx/>
+                <a:latin typeface="Consolas" panose="020B0609020204030204" pitchFamily="49" charset="0"/>
+                <a:cs typeface="Consolas" panose="020B0609020204030204" pitchFamily="49" charset="0"/>
+              </a:rPr>
+              <a:t>docdbplayground</a:t>
+            </a:r>
+            <a:endParaRPr kumimoji="0" lang="en-US" sz="2400" b="1" i="0" u="none" strike="noStrike" kern="0" cap="none" spc="0" normalizeH="0" baseline="0" noProof="0" dirty="0" smtClean="0">
+              <a:ln>
+                <a:noFill/>
+              </a:ln>
+              <a:solidFill>
+                <a:schemeClr val="bg1"/>
+              </a:solidFill>
+              <a:effectLst/>
+              <a:uLnTx/>
+              <a:uFillTx/>
+              <a:latin typeface="Consolas" panose="020B0609020204030204" pitchFamily="49" charset="0"/>
+              <a:cs typeface="Consolas" panose="020B0609020204030204" pitchFamily="49" charset="0"/>
+            </a:endParaRPr>
+          </a:p>
+        </p:txBody>
+      </p:sp>
       <p:grpSp>
         <p:nvGrpSpPr>
           <p:cNvPr id="45" name="Group 44"/>
@@ -33751,7 +33697,7 @@
             <p:nvPr/>
           </p:nvPicPr>
           <p:blipFill>
-            <a:blip r:embed="rId3">
+            <a:blip r:embed="rId2">
               <a:extLst>
                 <a:ext uri="{28A0092B-C50C-407E-A947-70E740481C1C}">
                   <a14:useLocalDpi xmlns:a14="http://schemas.microsoft.com/office/drawing/2010/main" val="0"/>
@@ -33781,7 +33727,7 @@
             <p:nvPr/>
           </p:nvPicPr>
           <p:blipFill>
-            <a:blip r:embed="rId4">
+            <a:blip r:embed="rId3">
               <a:extLst>
                 <a:ext uri="{28A0092B-C50C-407E-A947-70E740481C1C}">
                   <a14:useLocalDpi xmlns:a14="http://schemas.microsoft.com/office/drawing/2010/main" val="0"/>
@@ -33839,7 +33785,7 @@
             <p:nvPr/>
           </p:nvPicPr>
           <p:blipFill>
-            <a:blip r:embed="rId5">
+            <a:blip r:embed="rId4">
               <a:extLst>
                 <a:ext uri="{28A0092B-C50C-407E-A947-70E740481C1C}">
                   <a14:useLocalDpi xmlns:a14="http://schemas.microsoft.com/office/drawing/2010/main" val="0"/>
@@ -34095,7 +34041,7 @@
             <p:nvPr/>
           </p:nvPicPr>
           <p:blipFill>
-            <a:blip r:embed="rId6">
+            <a:blip r:embed="rId5">
               <a:extLst>
                 <a:ext uri="{28A0092B-C50C-407E-A947-70E740481C1C}">
                   <a14:useLocalDpi xmlns:a14="http://schemas.microsoft.com/office/drawing/2010/main" val="0"/>
@@ -34795,7 +34741,7 @@
             <p:nvPr/>
           </p:nvPicPr>
           <p:blipFill>
-            <a:blip r:embed="rId7">
+            <a:blip r:embed="rId6">
               <a:extLst>
                 <a:ext uri="{28A0092B-C50C-407E-A947-70E740481C1C}">
                   <a14:useLocalDpi xmlns:a14="http://schemas.microsoft.com/office/drawing/2010/main" val="0"/>
@@ -34892,7 +34838,7 @@
             <p:nvPr/>
           </p:nvPicPr>
           <p:blipFill>
-            <a:blip r:embed="rId8">
+            <a:blip r:embed="rId7">
               <a:extLst>
                 <a:ext uri="{28A0092B-C50C-407E-A947-70E740481C1C}">
                   <a14:useLocalDpi xmlns:a14="http://schemas.microsoft.com/office/drawing/2010/main" val="0"/>
@@ -35001,6 +34947,112 @@
           </p:txBody>
         </p:sp>
       </p:grpSp>
+      <p:pic>
+        <p:nvPicPr>
+          <p:cNvPr id="37" name="Picture 36"/>
+          <p:cNvPicPr>
+            <a:picLocks noChangeAspect="1"/>
+          </p:cNvPicPr>
+          <p:nvPr/>
+        </p:nvPicPr>
+        <p:blipFill>
+          <a:blip r:embed="rId6">
+            <a:extLst>
+              <a:ext uri="{28A0092B-C50C-407E-A947-70E740481C1C}">
+                <a14:useLocalDpi xmlns:a14="http://schemas.microsoft.com/office/drawing/2010/main" val="0"/>
+              </a:ext>
+            </a:extLst>
+          </a:blip>
+          <a:stretch>
+            <a:fillRect/>
+          </a:stretch>
+        </p:blipFill>
+        <p:spPr>
+          <a:xfrm>
+            <a:off x="1883485" y="3308730"/>
+            <a:ext cx="1531519" cy="1622751"/>
+          </a:xfrm>
+          <a:prstGeom prst="rect">
+            <a:avLst/>
+          </a:prstGeom>
+        </p:spPr>
+      </p:pic>
+      <p:sp>
+        <p:nvSpPr>
+          <p:cNvPr id="2" name="Rectangle 1"/>
+          <p:cNvSpPr/>
+          <p:nvPr/>
+        </p:nvSpPr>
+        <p:spPr bwMode="auto">
+          <a:xfrm>
+            <a:off x="2735395" y="3574850"/>
+            <a:ext cx="862252" cy="1348777"/>
+          </a:xfrm>
+          <a:prstGeom prst="rect">
+            <a:avLst/>
+          </a:prstGeom>
+          <a:solidFill>
+            <a:schemeClr val="tx1"/>
+          </a:solidFill>
+          <a:ln>
+            <a:noFill/>
+            <a:headEnd type="none" w="med" len="med"/>
+            <a:tailEnd type="none" w="med" len="med"/>
+          </a:ln>
+          <a:effectLst/>
+        </p:spPr>
+        <p:style>
+          <a:lnRef idx="1">
+            <a:schemeClr val="accent2"/>
+          </a:lnRef>
+          <a:fillRef idx="3">
+            <a:schemeClr val="accent2"/>
+          </a:fillRef>
+          <a:effectRef idx="2">
+            <a:schemeClr val="accent2"/>
+          </a:effectRef>
+          <a:fontRef idx="minor">
+            <a:schemeClr val="lt1"/>
+          </a:fontRef>
+        </p:style>
+        <p:txBody>
+          <a:bodyPr rot="0" spcFirstLastPara="0" vertOverflow="overflow" horzOverflow="overflow" vert="horz" wrap="square" lIns="182880" tIns="146304" rIns="182880" bIns="146304" numCol="1" spcCol="0" rtlCol="0" fromWordArt="0" anchor="t" anchorCtr="0" forceAA="0" compatLnSpc="1">
+            <a:prstTxWarp prst="textNoShape">
+              <a:avLst/>
+            </a:prstTxWarp>
+            <a:noAutofit/>
+          </a:bodyPr>
+          <a:lstStyle/>
+          <a:p>
+            <a:pPr algn="ctr" defTabSz="932472" fontAlgn="base">
+              <a:lnSpc>
+                <a:spcPct val="90000"/>
+              </a:lnSpc>
+              <a:spcBef>
+                <a:spcPct val="0"/>
+              </a:spcBef>
+              <a:spcAft>
+                <a:spcPct val="0"/>
+              </a:spcAft>
+            </a:pPr>
+            <a:endParaRPr lang="en-US" sz="2400" dirty="0" err="1" smtClean="0">
+              <a:gradFill>
+                <a:gsLst>
+                  <a:gs pos="0">
+                    <a:srgbClr val="FFFFFF"/>
+                  </a:gs>
+                  <a:gs pos="100000">
+                    <a:srgbClr val="FFFFFF"/>
+                  </a:gs>
+                </a:gsLst>
+                <a:lin ang="5400000" scaled="0"/>
+              </a:gradFill>
+              <a:ea typeface="Segoe UI" pitchFamily="34" charset="0"/>
+              <a:cs typeface="Segoe UI" pitchFamily="34" charset="0"/>
+            </a:endParaRPr>
+          </a:p>
+        </p:txBody>
+      </p:sp>
     </p:spTree>
     <p:extLst>
       <p:ext uri="{BB962C8B-B14F-4D97-AF65-F5344CB8AC3E}">

--- a/crawcour_makogon_documentdb.pptx
+++ b/crawcour_makogon_documentdb.pptx
@@ -218,7 +218,7 @@
           <a:p>
             <a:fld id="{554481DA-44F1-3746-B19A-AB72460DEAAC}" type="datetimeFigureOut">
               <a:rPr lang="en-US" smtClean="0"/>
-              <a:t>9/2/2015</a:t>
+              <a:t>9/2/15</a:t>
             </a:fld>
             <a:endParaRPr lang="en-US"/>
           </a:p>
@@ -1165,7 +1165,7 @@
                 <a:tabLst/>
                 <a:defRPr/>
               </a:pPr>
-              <a:t>9/2/2015 14:03</a:t>
+              <a:t>9/2/15 2:26 PM</a:t>
             </a:fld>
             <a:endParaRPr kumimoji="0" lang="en-US" altLang="en-US" sz="1200" b="0" i="0" u="none" strike="noStrike" kern="1200" cap="none" spc="0" normalizeH="0" baseline="0" noProof="0" smtClean="0">
               <a:ln>
@@ -29150,8 +29150,29 @@
                   <a:schemeClr val="bg1"/>
                 </a:solidFill>
               </a:rPr>
-              <a:t> = 'Documentary'</a:t>
-            </a:r>
+              <a:t> = </a:t>
+            </a:r>
+            <a:r>
+              <a:rPr lang="en-US" altLang="en-US" sz="3600" b="1" dirty="0" smtClean="0">
+                <a:solidFill>
+                  <a:schemeClr val="bg1"/>
+                </a:solidFill>
+              </a:rPr>
+              <a:t>"Documentary</a:t>
+            </a:r>
+            <a:r>
+              <a:rPr lang="en-US" altLang="en-US" sz="3600" b="1" dirty="0">
+                <a:solidFill>
+                  <a:schemeClr val="bg1"/>
+                </a:solidFill>
+              </a:rPr>
+              <a:t>"</a:t>
+            </a:r>
+            <a:endParaRPr lang="en-US" altLang="en-US" sz="3600" b="1" dirty="0" smtClean="0">
+              <a:solidFill>
+                <a:schemeClr val="bg1"/>
+              </a:solidFill>
+            </a:endParaRPr>
           </a:p>
         </p:txBody>
       </p:sp>
@@ -29852,23 +29873,11 @@
             </a:r>
           </a:p>
           <a:p>
-            <a:pPr marL="236573" marR="0" lvl="1" indent="0" algn="l" defTabSz="914293" rtl="0" eaLnBrk="1" fontAlgn="auto" latinLnBrk="0" hangingPunct="1">
-              <a:lnSpc>
-                <a:spcPct val="90000"/>
-              </a:lnSpc>
-              <a:spcBef>
-                <a:spcPct val="20000"/>
-              </a:spcBef>
-              <a:spcAft>
-                <a:spcPts val="0"/>
-              </a:spcAft>
+            <a:pPr marL="236573" lvl="1" indent="0">
               <a:buClr>
                 <a:srgbClr val="FFFFFF"/>
               </a:buClr>
-              <a:buSzPct val="90000"/>
-              <a:buFont typeface="Wingdings" panose="05000000000000000000" pitchFamily="2" charset="2"/>
               <a:buNone/>
-              <a:tabLst/>
               <a:defRPr/>
             </a:pPr>
             <a:r>
@@ -29886,8 +29895,65 @@
                 <a:ea typeface=""/>
                 <a:cs typeface="Consolas" pitchFamily="49" charset="0"/>
               </a:rPr>
-              <a:t>	  "coordinates": [-122.137146, 47.642101] </a:t>
-            </a:r>
+              <a:t>	  "coordinates": </a:t>
+            </a:r>
+            <a:r>
+              <a:rPr kumimoji="0" lang="en-US" sz="2400" b="0" i="0" u="none" strike="noStrike" kern="1200" cap="none" spc="0" normalizeH="0" baseline="0" noProof="0" dirty="0" smtClean="0">
+                <a:ln>
+                  <a:noFill/>
+                </a:ln>
+                <a:solidFill>
+                  <a:schemeClr val="bg1"/>
+                </a:solidFill>
+                <a:effectLst/>
+                <a:uLnTx/>
+                <a:uFillTx/>
+                <a:latin typeface="Consolas" pitchFamily="49" charset="0"/>
+                <a:ea typeface=""/>
+                <a:cs typeface="Consolas" pitchFamily="49" charset="0"/>
+              </a:rPr>
+              <a:t>[</a:t>
+            </a:r>
+            <a:r>
+              <a:rPr lang="en-US" sz="2400" dirty="0" smtClean="0">
+                <a:solidFill>
+                  <a:prstClr val="black"/>
+                </a:solidFill>
+                <a:latin typeface="Calibri" charset="0"/>
+              </a:rPr>
+              <a:t>-122.131, 47.643</a:t>
+            </a:r>
+            <a:r>
+              <a:rPr kumimoji="0" lang="en-US" sz="2400" b="0" i="0" u="none" strike="noStrike" kern="1200" cap="none" spc="0" normalizeH="0" baseline="0" noProof="0" dirty="0" smtClean="0">
+                <a:ln>
+                  <a:noFill/>
+                </a:ln>
+                <a:solidFill>
+                  <a:schemeClr val="bg1"/>
+                </a:solidFill>
+                <a:effectLst/>
+                <a:uLnTx/>
+                <a:uFillTx/>
+                <a:latin typeface="Consolas" pitchFamily="49" charset="0"/>
+                <a:ea typeface=""/>
+                <a:cs typeface="Consolas" pitchFamily="49" charset="0"/>
+              </a:rPr>
+              <a:t>] </a:t>
+            </a:r>
+            <a:endParaRPr kumimoji="0" lang="en-US" sz="2400" b="0" i="0" u="none" strike="noStrike" kern="1200" cap="none" spc="0" normalizeH="0" baseline="0" noProof="0" dirty="0" smtClean="0">
+              <a:ln>
+                <a:noFill/>
+              </a:ln>
+              <a:solidFill>
+                <a:schemeClr val="bg1"/>
+              </a:solidFill>
+              <a:effectLst/>
+              <a:uLnTx/>
+              <a:uFillTx/>
+              <a:latin typeface="Consolas" pitchFamily="49" charset="0"/>
+              <a:ea typeface=""/>
+              <a:cs typeface="Consolas" pitchFamily="49" charset="0"/>
+            </a:endParaRPr>
           </a:p>
           <a:p>
             <a:pPr marL="0" marR="0" lvl="0" indent="0" algn="l" defTabSz="914293" rtl="0" eaLnBrk="1" fontAlgn="auto" latinLnBrk="0" hangingPunct="1">
@@ -29924,7 +29990,41 @@
                 <a:ea typeface=""/>
                 <a:cs typeface="Consolas" pitchFamily="49" charset="0"/>
               </a:rPr>
-              <a:t>	}) &lt; 5 * 1600</a:t>
+              <a:t>	}) &lt; </a:t>
+            </a:r>
+            <a:r>
+              <a:rPr kumimoji="0" lang="en-US" sz="2400" b="0" i="0" u="none" strike="noStrike" kern="1200" cap="none" spc="0" normalizeH="0" baseline="0" noProof="0" dirty="0" smtClean="0">
+                <a:ln>
+                  <a:noFill/>
+                </a:ln>
+                <a:solidFill>
+                  <a:schemeClr val="bg1"/>
+                </a:solidFill>
+                <a:effectLst/>
+                <a:uLnTx/>
+                <a:uFillTx/>
+                <a:latin typeface="Consolas" pitchFamily="49" charset="0"/>
+                <a:ea typeface=""/>
+                <a:cs typeface="Consolas" pitchFamily="49" charset="0"/>
+              </a:rPr>
+              <a:t>2 </a:t>
+            </a:r>
+            <a:r>
+              <a:rPr kumimoji="0" lang="en-US" sz="2400" b="0" i="0" u="none" strike="noStrike" kern="1200" cap="none" spc="0" normalizeH="0" baseline="0" noProof="0" dirty="0" smtClean="0">
+                <a:ln>
+                  <a:noFill/>
+                </a:ln>
+                <a:solidFill>
+                  <a:schemeClr val="bg1"/>
+                </a:solidFill>
+                <a:effectLst/>
+                <a:uLnTx/>
+                <a:uFillTx/>
+                <a:latin typeface="Consolas" pitchFamily="49" charset="0"/>
+                <a:ea typeface=""/>
+                <a:cs typeface="Consolas" pitchFamily="49" charset="0"/>
+              </a:rPr>
+              <a:t>* 1600</a:t>
             </a:r>
             <a:endParaRPr kumimoji="0" lang="en-US" sz="2400" b="0" i="0" u="none" strike="noStrike" kern="1200" cap="none" spc="0" normalizeH="0" baseline="0" noProof="0" dirty="0">
               <a:ln>
@@ -31072,7 +31172,69 @@
                 <a:ea typeface="Lucida Console" charset="0"/>
                 <a:cs typeface="Lucida Console" charset="0"/>
               </a:rPr>
-              <a:t> : ["Hash", "Range", "Geospatial"],</a:t>
+              <a:t> : ["Hash", "Range", </a:t>
+            </a:r>
+            <a:r>
+              <a:rPr kumimoji="0" lang="en-US" sz="2800" b="0" i="0" u="none" strike="noStrike" kern="1200" cap="none" spc="0" normalizeH="0" baseline="0" noProof="0" dirty="0" smtClean="0">
+                <a:ln>
+                  <a:noFill/>
+                </a:ln>
+                <a:solidFill>
+                  <a:schemeClr val="bg1"/>
+                </a:solidFill>
+                <a:effectLst/>
+                <a:uLnTx/>
+                <a:uFillTx/>
+                <a:latin typeface="Lucida Console" charset="0"/>
+                <a:ea typeface="Lucida Console" charset="0"/>
+                <a:cs typeface="Lucida Console" charset="0"/>
+              </a:rPr>
+              <a:t>"</a:t>
+            </a:r>
+            <a:r>
+              <a:rPr lang="en-US" sz="2800" dirty="0">
+                <a:solidFill>
+                  <a:schemeClr val="bg1"/>
+                </a:solidFill>
+                <a:latin typeface="Lucida Console" charset="0"/>
+                <a:ea typeface="Lucida Console" charset="0"/>
+                <a:cs typeface="Lucida Console" charset="0"/>
+              </a:rPr>
+              <a:t>S</a:t>
+            </a:r>
+            <a:r>
+              <a:rPr kumimoji="0" lang="en-US" sz="2800" b="0" i="0" u="none" strike="noStrike" kern="1200" cap="none" spc="0" normalizeH="0" baseline="0" noProof="0" dirty="0" err="1" smtClean="0">
+                <a:ln>
+                  <a:noFill/>
+                </a:ln>
+                <a:solidFill>
+                  <a:schemeClr val="bg1"/>
+                </a:solidFill>
+                <a:effectLst/>
+                <a:uLnTx/>
+                <a:uFillTx/>
+                <a:latin typeface="Lucida Console" charset="0"/>
+                <a:ea typeface="Lucida Console" charset="0"/>
+                <a:cs typeface="Lucida Console" charset="0"/>
+              </a:rPr>
+              <a:t>patial</a:t>
+            </a:r>
+            <a:r>
+              <a:rPr kumimoji="0" lang="en-US" sz="2800" b="0" i="0" u="none" strike="noStrike" kern="1200" cap="none" spc="0" normalizeH="0" baseline="0" noProof="0" dirty="0" smtClean="0">
+                <a:ln>
+                  <a:noFill/>
+                </a:ln>
+                <a:solidFill>
+                  <a:schemeClr val="bg1"/>
+                </a:solidFill>
+                <a:effectLst/>
+                <a:uLnTx/>
+                <a:uFillTx/>
+                <a:latin typeface="Lucida Console" charset="0"/>
+                <a:ea typeface="Lucida Console" charset="0"/>
+                <a:cs typeface="Lucida Console" charset="0"/>
+              </a:rPr>
+              <a:t>"],</a:t>
             </a:r>
           </a:p>
           <a:p>
@@ -33365,7 +33527,7 @@
         <p:spPr>
           <a:xfrm>
             <a:off x="728133" y="2540150"/>
-            <a:ext cx="3769698" cy="677456"/>
+            <a:ext cx="4069596" cy="865200"/>
           </a:xfrm>
           <a:prstGeom prst="rect">
             <a:avLst/>
@@ -33398,7 +33560,7 @@
               <a:defRPr/>
             </a:pPr>
             <a:r>
-              <a:rPr kumimoji="0" lang="en-US" sz="1400" b="1" i="0" u="none" strike="noStrike" kern="0" cap="none" spc="0" normalizeH="0" baseline="0" noProof="0" dirty="0" smtClean="0">
+              <a:rPr kumimoji="0" lang="en-US" b="1" i="0" u="none" strike="noStrike" kern="0" cap="none" spc="0" normalizeH="0" baseline="0" noProof="0" dirty="0" smtClean="0">
                 <a:ln>
                   <a:noFill/>
                 </a:ln>
@@ -33411,10 +33573,77 @@
                 <a:latin typeface="Courier New" panose="02070309020205020404" pitchFamily="49" charset="0"/>
                 <a:cs typeface="Courier New" panose="02070309020205020404" pitchFamily="49" charset="0"/>
               </a:rPr>
-              <a:t>select * from playground p where p.name = "</a:t>
-            </a:r>
-            <a:r>
-              <a:rPr kumimoji="0" lang="en-US" sz="1400" b="1" i="0" u="none" strike="noStrike" kern="0" cap="none" spc="0" normalizeH="0" baseline="0" noProof="0" dirty="0" err="1" smtClean="0">
+              <a:t>select * from playground </a:t>
+            </a:r>
+            <a:r>
+              <a:rPr kumimoji="0" lang="en-US" b="1" i="0" u="none" strike="noStrike" kern="0" cap="none" spc="0" normalizeH="0" baseline="0" noProof="0" dirty="0" smtClean="0">
+                <a:ln>
+                  <a:noFill/>
+                </a:ln>
+                <a:solidFill>
+                  <a:srgbClr val="2579D6"/>
+                </a:solidFill>
+                <a:effectLst/>
+                <a:uLnTx/>
+                <a:uFillTx/>
+                <a:latin typeface="Courier New" panose="02070309020205020404" pitchFamily="49" charset="0"/>
+                <a:cs typeface="Courier New" panose="02070309020205020404" pitchFamily="49" charset="0"/>
+              </a:rPr>
+              <a:t>p</a:t>
+            </a:r>
+          </a:p>
+          <a:p>
+            <a:pPr marL="0" marR="0" lvl="0" indent="0" defTabSz="914367" eaLnBrk="1" fontAlgn="auto" latinLnBrk="0" hangingPunct="1">
+              <a:lnSpc>
+                <a:spcPct val="90000"/>
+              </a:lnSpc>
+              <a:spcBef>
+                <a:spcPts val="0"/>
+              </a:spcBef>
+              <a:spcAft>
+                <a:spcPts val="588"/>
+              </a:spcAft>
+              <a:buClrTx/>
+              <a:buSzTx/>
+              <a:buFontTx/>
+              <a:buNone/>
+              <a:tabLst/>
+              <a:defRPr/>
+            </a:pPr>
+            <a:r>
+              <a:rPr kumimoji="0" lang="en-US" b="1" i="0" u="none" strike="noStrike" kern="0" cap="none" spc="0" normalizeH="0" baseline="0" noProof="0" dirty="0" smtClean="0">
+                <a:ln>
+                  <a:noFill/>
+                </a:ln>
+                <a:solidFill>
+                  <a:srgbClr val="2579D6"/>
+                </a:solidFill>
+                <a:effectLst/>
+                <a:uLnTx/>
+                <a:uFillTx/>
+                <a:latin typeface="Courier New" panose="02070309020205020404" pitchFamily="49" charset="0"/>
+                <a:cs typeface="Courier New" panose="02070309020205020404" pitchFamily="49" charset="0"/>
+              </a:rPr>
+              <a:t>where </a:t>
+            </a:r>
+            <a:r>
+              <a:rPr kumimoji="0" lang="en-US" b="1" i="0" u="none" strike="noStrike" kern="0" cap="none" spc="0" normalizeH="0" baseline="0" noProof="0" dirty="0" smtClean="0">
+                <a:ln>
+                  <a:noFill/>
+                </a:ln>
+                <a:solidFill>
+                  <a:srgbClr val="2579D6"/>
+                </a:solidFill>
+                <a:effectLst/>
+                <a:uLnTx/>
+                <a:uFillTx/>
+                <a:latin typeface="Courier New" panose="02070309020205020404" pitchFamily="49" charset="0"/>
+                <a:cs typeface="Courier New" panose="02070309020205020404" pitchFamily="49" charset="0"/>
+              </a:rPr>
+              <a:t>p.name = "</a:t>
+            </a:r>
+            <a:r>
+              <a:rPr kumimoji="0" lang="en-US" b="1" i="0" u="none" strike="noStrike" kern="0" cap="none" spc="0" normalizeH="0" baseline="0" noProof="0" dirty="0" err="1" smtClean="0">
                 <a:ln>
                   <a:noFill/>
                 </a:ln>
@@ -33430,7 +33659,7 @@
               <a:t>DocumentDB</a:t>
             </a:r>
             <a:r>
-              <a:rPr kumimoji="0" lang="en-US" sz="1400" b="1" i="0" u="none" strike="noStrike" kern="0" cap="none" spc="0" normalizeH="0" baseline="0" noProof="0" dirty="0" smtClean="0">
+              <a:rPr kumimoji="0" lang="en-US" b="1" i="0" u="none" strike="noStrike" kern="0" cap="none" spc="0" normalizeH="0" baseline="0" noProof="0" dirty="0" smtClean="0">
                 <a:ln>
                   <a:noFill/>
                 </a:ln>
@@ -33445,7 +33674,7 @@
               </a:rPr>
               <a:t>"</a:t>
             </a:r>
-            <a:endParaRPr kumimoji="0" lang="en-US" sz="3200" b="1" i="0" u="none" strike="noStrike" kern="0" cap="none" spc="0" normalizeH="0" baseline="0" noProof="0" dirty="0" smtClean="0">
+            <a:endParaRPr kumimoji="0" lang="en-US" sz="4000" b="1" i="0" u="none" strike="noStrike" kern="0" cap="none" spc="0" normalizeH="0" baseline="0" noProof="0" dirty="0" smtClean="0">
               <a:ln>
                 <a:noFill/>
               </a:ln>
@@ -35329,7 +35558,7 @@
         <p:spPr>
           <a:xfrm>
             <a:off x="269239" y="1189177"/>
-            <a:ext cx="11653523" cy="5704318"/>
+            <a:ext cx="11653523" cy="6344494"/>
           </a:xfrm>
           <a:prstGeom prst="rect">
             <a:avLst/>
@@ -35572,75 +35801,12 @@
             </a:lvl9pPr>
           </a:lstStyle>
           <a:p>
-            <a:pPr marL="0" marR="0" lvl="0" indent="0" algn="l" defTabSz="914293" rtl="0" eaLnBrk="1" fontAlgn="auto" latinLnBrk="0" hangingPunct="1">
-              <a:lnSpc>
-                <a:spcPct val="90000"/>
-              </a:lnSpc>
-              <a:spcBef>
-                <a:spcPct val="20000"/>
-              </a:spcBef>
-              <a:spcAft>
-                <a:spcPts val="0"/>
-              </a:spcAft>
+            <a:pPr lvl="0">
               <a:buClr>
                 <a:srgbClr val="FFFFFF"/>
               </a:buClr>
-              <a:buSzPct val="90000"/>
-              <a:buFont typeface="Wingdings" panose="05000000000000000000" pitchFamily="2" charset="2"/>
-              <a:buNone/>
-              <a:tabLst/>
               <a:defRPr/>
             </a:pPr>
-            <a:r>
-              <a:rPr kumimoji="0" lang="en-US" sz="3200" b="0" i="0" u="none" strike="noStrike" kern="1200" cap="none" spc="0" normalizeH="0" baseline="0" noProof="0" dirty="0" err="1" smtClean="0">
-                <a:ln>
-                  <a:noFill/>
-                </a:ln>
-                <a:solidFill>
-                  <a:schemeClr val="bg1"/>
-                </a:solidFill>
-                <a:effectLst/>
-                <a:uLnTx/>
-                <a:uFillTx/>
-                <a:latin typeface="Consolas" pitchFamily="49" charset="0"/>
-                <a:ea typeface=""/>
-                <a:cs typeface="Consolas" pitchFamily="49" charset="0"/>
-              </a:rPr>
-              <a:t>documentdb.com</a:t>
-            </a:r>
-            <a:r>
-              <a:rPr kumimoji="0" lang="en-US" sz="3200" b="0" i="0" u="none" strike="noStrike" kern="1200" cap="none" spc="0" normalizeH="0" baseline="0" noProof="0" dirty="0" smtClean="0">
-                <a:ln>
-                  <a:noFill/>
-                </a:ln>
-                <a:solidFill>
-                  <a:schemeClr val="bg1"/>
-                </a:solidFill>
-                <a:effectLst/>
-                <a:uLnTx/>
-                <a:uFillTx/>
-                <a:latin typeface="Consolas" pitchFamily="49" charset="0"/>
-                <a:ea typeface=""/>
-                <a:cs typeface="Consolas" pitchFamily="49" charset="0"/>
-              </a:rPr>
-              <a:t> </a:t>
-            </a:r>
-            <a:br>
-              <a:rPr kumimoji="0" lang="en-US" sz="3200" b="0" i="0" u="none" strike="noStrike" kern="1200" cap="none" spc="0" normalizeH="0" baseline="0" noProof="0" dirty="0" smtClean="0">
-                <a:ln>
-                  <a:noFill/>
-                </a:ln>
-                <a:solidFill>
-                  <a:schemeClr val="bg1"/>
-                </a:solidFill>
-                <a:effectLst/>
-                <a:uLnTx/>
-                <a:uFillTx/>
-                <a:latin typeface="Consolas" pitchFamily="49" charset="0"/>
-                <a:ea typeface=""/>
-                <a:cs typeface="Consolas" pitchFamily="49" charset="0"/>
-              </a:rPr>
-            </a:br>
             <a:endParaRPr kumimoji="0" lang="en-US" sz="3200" b="0" i="0" u="none" strike="noStrike" kern="1200" cap="none" spc="0" normalizeH="0" baseline="0" noProof="0" dirty="0" smtClean="0">
               <a:ln>
                 <a:noFill/>
@@ -35655,249 +35821,6 @@
               <a:ea typeface=""/>
               <a:cs typeface="Consolas" pitchFamily="49" charset="0"/>
             </a:endParaRPr>
-          </a:p>
-          <a:p>
-            <a:pPr marL="0" marR="0" lvl="0" indent="0" algn="l" defTabSz="914293" rtl="0" eaLnBrk="1" fontAlgn="auto" latinLnBrk="0" hangingPunct="1">
-              <a:lnSpc>
-                <a:spcPct val="90000"/>
-              </a:lnSpc>
-              <a:spcBef>
-                <a:spcPct val="20000"/>
-              </a:spcBef>
-              <a:spcAft>
-                <a:spcPts val="0"/>
-              </a:spcAft>
-              <a:buClr>
-                <a:srgbClr val="FFFFFF"/>
-              </a:buClr>
-              <a:buSzPct val="90000"/>
-              <a:buFont typeface="Wingdings" panose="05000000000000000000" pitchFamily="2" charset="2"/>
-              <a:buNone/>
-              <a:tabLst/>
-              <a:defRPr/>
-            </a:pPr>
-            <a:r>
-              <a:rPr kumimoji="0" lang="en-US" sz="3200" b="0" i="0" u="none" strike="noStrike" kern="1200" cap="none" spc="0" normalizeH="0" baseline="0" noProof="0" dirty="0" smtClean="0">
-                <a:ln>
-                  <a:noFill/>
-                </a:ln>
-                <a:solidFill>
-                  <a:schemeClr val="bg1"/>
-                </a:solidFill>
-                <a:effectLst/>
-                <a:uLnTx/>
-                <a:uFillTx/>
-                <a:latin typeface="Consolas" pitchFamily="49" charset="0"/>
-                <a:ea typeface=""/>
-                <a:cs typeface="Consolas" pitchFamily="49" charset="0"/>
-              </a:rPr>
-              <a:t>@</a:t>
-            </a:r>
-            <a:r>
-              <a:rPr kumimoji="0" lang="en-US" sz="3200" b="0" i="0" u="none" strike="noStrike" kern="1200" cap="none" spc="0" normalizeH="0" baseline="0" noProof="0" dirty="0" err="1" smtClean="0">
-                <a:ln>
-                  <a:noFill/>
-                </a:ln>
-                <a:solidFill>
-                  <a:schemeClr val="bg1"/>
-                </a:solidFill>
-                <a:effectLst/>
-                <a:uLnTx/>
-                <a:uFillTx/>
-                <a:latin typeface="Consolas" pitchFamily="49" charset="0"/>
-                <a:ea typeface=""/>
-                <a:cs typeface="Consolas" pitchFamily="49" charset="0"/>
-              </a:rPr>
-              <a:t>DocumentDB</a:t>
-            </a:r>
-            <a:endParaRPr kumimoji="0" lang="en-US" sz="3200" b="0" i="0" u="none" strike="noStrike" kern="1200" cap="none" spc="0" normalizeH="0" baseline="0" noProof="0" dirty="0" smtClean="0">
-              <a:ln>
-                <a:noFill/>
-              </a:ln>
-              <a:solidFill>
-                <a:schemeClr val="bg1"/>
-              </a:solidFill>
-              <a:effectLst/>
-              <a:uLnTx/>
-              <a:uFillTx/>
-              <a:latin typeface="Consolas" pitchFamily="49" charset="0"/>
-              <a:ea typeface=""/>
-              <a:cs typeface="Consolas" pitchFamily="49" charset="0"/>
-            </a:endParaRPr>
-          </a:p>
-          <a:p>
-            <a:pPr marL="0" marR="0" lvl="0" indent="0" algn="l" defTabSz="914293" rtl="0" eaLnBrk="1" fontAlgn="auto" latinLnBrk="0" hangingPunct="1">
-              <a:lnSpc>
-                <a:spcPct val="90000"/>
-              </a:lnSpc>
-              <a:spcBef>
-                <a:spcPct val="20000"/>
-              </a:spcBef>
-              <a:spcAft>
-                <a:spcPts val="0"/>
-              </a:spcAft>
-              <a:buClr>
-                <a:srgbClr val="FFFFFF"/>
-              </a:buClr>
-              <a:buSzPct val="90000"/>
-              <a:buFont typeface="Wingdings" panose="05000000000000000000" pitchFamily="2" charset="2"/>
-              <a:buNone/>
-              <a:tabLst/>
-              <a:defRPr/>
-            </a:pPr>
-            <a:r>
-              <a:rPr kumimoji="0" lang="en-US" sz="3200" b="0" i="0" u="none" strike="noStrike" kern="1200" cap="none" spc="0" normalizeH="0" baseline="0" noProof="0" dirty="0" smtClean="0">
-                <a:ln>
-                  <a:noFill/>
-                </a:ln>
-                <a:solidFill>
-                  <a:schemeClr val="bg1"/>
-                </a:solidFill>
-                <a:effectLst/>
-                <a:uLnTx/>
-                <a:uFillTx/>
-                <a:latin typeface="Consolas" pitchFamily="49" charset="0"/>
-                <a:ea typeface=""/>
-                <a:cs typeface="Consolas" pitchFamily="49" charset="0"/>
-              </a:rPr>
-              <a:t>@</a:t>
-            </a:r>
-            <a:r>
-              <a:rPr kumimoji="0" lang="en-US" sz="3200" b="0" i="0" u="none" strike="noStrike" kern="1200" cap="none" spc="0" normalizeH="0" baseline="0" noProof="0" dirty="0" err="1" smtClean="0">
-                <a:ln>
-                  <a:noFill/>
-                </a:ln>
-                <a:solidFill>
-                  <a:schemeClr val="bg1"/>
-                </a:solidFill>
-                <a:effectLst/>
-                <a:uLnTx/>
-                <a:uFillTx/>
-                <a:latin typeface="Consolas" pitchFamily="49" charset="0"/>
-                <a:ea typeface=""/>
-                <a:cs typeface="Consolas" pitchFamily="49" charset="0"/>
-              </a:rPr>
-              <a:t>dmakogon</a:t>
-            </a:r>
-            <a:endParaRPr kumimoji="0" lang="en-US" sz="3200" b="0" i="0" u="none" strike="noStrike" kern="1200" cap="none" spc="0" normalizeH="0" baseline="0" noProof="0" dirty="0" smtClean="0">
-              <a:ln>
-                <a:noFill/>
-              </a:ln>
-              <a:solidFill>
-                <a:schemeClr val="bg1"/>
-              </a:solidFill>
-              <a:effectLst/>
-              <a:uLnTx/>
-              <a:uFillTx/>
-              <a:latin typeface="Consolas" pitchFamily="49" charset="0"/>
-              <a:ea typeface=""/>
-              <a:cs typeface="Consolas" pitchFamily="49" charset="0"/>
-            </a:endParaRPr>
-          </a:p>
-          <a:p>
-            <a:pPr marL="0" marR="0" lvl="0" indent="0" algn="l" defTabSz="914293" rtl="0" eaLnBrk="1" fontAlgn="auto" latinLnBrk="0" hangingPunct="1">
-              <a:lnSpc>
-                <a:spcPct val="90000"/>
-              </a:lnSpc>
-              <a:spcBef>
-                <a:spcPct val="20000"/>
-              </a:spcBef>
-              <a:spcAft>
-                <a:spcPts val="0"/>
-              </a:spcAft>
-              <a:buClr>
-                <a:srgbClr val="FFFFFF"/>
-              </a:buClr>
-              <a:buSzPct val="90000"/>
-              <a:buFont typeface="Wingdings" panose="05000000000000000000" pitchFamily="2" charset="2"/>
-              <a:buNone/>
-              <a:tabLst/>
-              <a:defRPr/>
-            </a:pPr>
-            <a:r>
-              <a:rPr kumimoji="0" lang="en-US" sz="3200" b="0" i="0" u="none" strike="noStrike" kern="1200" cap="none" spc="0" normalizeH="0" baseline="0" noProof="0" dirty="0" smtClean="0">
-                <a:ln>
-                  <a:noFill/>
-                </a:ln>
-                <a:solidFill>
-                  <a:schemeClr val="bg1"/>
-                </a:solidFill>
-                <a:effectLst/>
-                <a:uLnTx/>
-                <a:uFillTx/>
-                <a:latin typeface="Consolas" pitchFamily="49" charset="0"/>
-                <a:ea typeface=""/>
-                <a:cs typeface="Consolas" pitchFamily="49" charset="0"/>
-              </a:rPr>
-              <a:t>@</a:t>
-            </a:r>
-            <a:r>
-              <a:rPr kumimoji="0" lang="en-US" sz="3200" b="0" i="0" u="none" strike="noStrike" kern="1200" cap="none" spc="0" normalizeH="0" baseline="0" noProof="0" dirty="0" err="1" smtClean="0">
-                <a:ln>
-                  <a:noFill/>
-                </a:ln>
-                <a:solidFill>
-                  <a:schemeClr val="bg1"/>
-                </a:solidFill>
-                <a:effectLst/>
-                <a:uLnTx/>
-                <a:uFillTx/>
-                <a:latin typeface="Consolas" pitchFamily="49" charset="0"/>
-                <a:ea typeface=""/>
-                <a:cs typeface="Consolas" pitchFamily="49" charset="0"/>
-              </a:rPr>
-              <a:t>ryancrawcour</a:t>
-            </a:r>
-            <a:r>
-              <a:rPr kumimoji="0" lang="en-US" sz="3200" b="0" i="0" u="none" strike="noStrike" kern="1200" cap="none" spc="0" normalizeH="0" baseline="0" noProof="0" dirty="0" smtClean="0">
-                <a:ln>
-                  <a:noFill/>
-                </a:ln>
-                <a:solidFill>
-                  <a:schemeClr val="bg1"/>
-                </a:solidFill>
-                <a:effectLst/>
-                <a:uLnTx/>
-                <a:uFillTx/>
-                <a:latin typeface="Consolas" pitchFamily="49" charset="0"/>
-                <a:ea typeface=""/>
-                <a:cs typeface="Consolas" pitchFamily="49" charset="0"/>
-              </a:rPr>
-              <a:t/>
-            </a:r>
-            <a:br>
-              <a:rPr kumimoji="0" lang="en-US" sz="3200" b="0" i="0" u="none" strike="noStrike" kern="1200" cap="none" spc="0" normalizeH="0" baseline="0" noProof="0" dirty="0" smtClean="0">
-                <a:ln>
-                  <a:noFill/>
-                </a:ln>
-                <a:solidFill>
-                  <a:schemeClr val="bg1"/>
-                </a:solidFill>
-                <a:effectLst/>
-                <a:uLnTx/>
-                <a:uFillTx/>
-                <a:latin typeface="Consolas" pitchFamily="49" charset="0"/>
-                <a:ea typeface=""/>
-                <a:cs typeface="Consolas" pitchFamily="49" charset="0"/>
-              </a:rPr>
-            </a:br>
-            <a:r>
-              <a:rPr kumimoji="0" lang="en-US" sz="3200" b="0" i="0" u="none" strike="noStrike" kern="1200" cap="none" spc="0" normalizeH="0" baseline="0" noProof="0" dirty="0" smtClean="0">
-                <a:ln>
-                  <a:noFill/>
-                </a:ln>
-                <a:solidFill>
-                  <a:schemeClr val="bg1"/>
-                </a:solidFill>
-                <a:effectLst/>
-                <a:uLnTx/>
-                <a:uFillTx/>
-                <a:latin typeface="Consolas" pitchFamily="49" charset="0"/>
-                <a:ea typeface=""/>
-                <a:cs typeface="Consolas" pitchFamily="49" charset="0"/>
-              </a:rPr>
-              <a:t> </a:t>
-            </a:r>
           </a:p>
           <a:p>
             <a:pPr marL="0" marR="0" lvl="0" indent="0" algn="l" defTabSz="914293" rtl="0" eaLnBrk="1" fontAlgn="auto" latinLnBrk="0" hangingPunct="1">
@@ -35955,6 +35878,23 @@
               <a:defRPr/>
             </a:pPr>
             <a:r>
+              <a:rPr kumimoji="0" lang="en-US" sz="3200" b="0" i="0" u="none" strike="noStrike" kern="1200" cap="none" spc="0" normalizeH="0" baseline="0" noProof="0" dirty="0" smtClean="0">
+                <a:ln>
+                  <a:noFill/>
+                </a:ln>
+                <a:solidFill>
+                  <a:schemeClr val="bg1"/>
+                </a:solidFill>
+                <a:effectLst/>
+                <a:uLnTx/>
+                <a:uFillTx/>
+                <a:latin typeface="Consolas" pitchFamily="49" charset="0"/>
+                <a:ea typeface=""/>
+                <a:cs typeface="Consolas" pitchFamily="49" charset="0"/>
+              </a:rPr>
+              <a:t>@</a:t>
+            </a:r>
+            <a:r>
               <a:rPr kumimoji="0" lang="en-US" sz="3200" b="0" i="0" u="none" strike="noStrike" kern="1200" cap="none" spc="0" normalizeH="0" baseline="0" noProof="0" dirty="0" err="1" smtClean="0">
                 <a:ln>
                   <a:noFill/>
@@ -35969,105 +35909,7 @@
                 <a:ea typeface=""/>
                 <a:cs typeface="Consolas" pitchFamily="49" charset="0"/>
               </a:rPr>
-              <a:t>github.com</a:t>
-            </a:r>
-            <a:r>
-              <a:rPr kumimoji="0" lang="en-US" sz="3200" b="0" i="0" u="none" strike="noStrike" kern="1200" cap="none" spc="0" normalizeH="0" baseline="0" noProof="0" dirty="0" smtClean="0">
-                <a:ln>
-                  <a:noFill/>
-                </a:ln>
-                <a:solidFill>
-                  <a:schemeClr val="bg1"/>
-                </a:solidFill>
-                <a:effectLst/>
-                <a:uLnTx/>
-                <a:uFillTx/>
-                <a:latin typeface="Consolas" pitchFamily="49" charset="0"/>
-                <a:ea typeface=""/>
-                <a:cs typeface="Consolas" pitchFamily="49" charset="0"/>
-              </a:rPr>
-              <a:t>/azure/azure-</a:t>
-            </a:r>
-            <a:r>
-              <a:rPr kumimoji="0" lang="en-US" sz="3200" b="0" i="0" u="none" strike="noStrike" kern="1200" cap="none" spc="0" normalizeH="0" baseline="0" noProof="0" dirty="0" err="1" smtClean="0">
-                <a:ln>
-                  <a:noFill/>
-                </a:ln>
-                <a:solidFill>
-                  <a:schemeClr val="bg1"/>
-                </a:solidFill>
-                <a:effectLst/>
-                <a:uLnTx/>
-                <a:uFillTx/>
-                <a:latin typeface="Consolas" pitchFamily="49" charset="0"/>
-                <a:ea typeface=""/>
-                <a:cs typeface="Consolas" pitchFamily="49" charset="0"/>
-              </a:rPr>
-              <a:t>documentdb</a:t>
-            </a:r>
-            <a:r>
-              <a:rPr kumimoji="0" lang="en-US" sz="3200" b="0" i="0" u="none" strike="noStrike" kern="1200" cap="none" spc="0" normalizeH="0" baseline="0" noProof="0" dirty="0" smtClean="0">
-                <a:ln>
-                  <a:noFill/>
-                </a:ln>
-                <a:solidFill>
-                  <a:schemeClr val="bg1"/>
-                </a:solidFill>
-                <a:effectLst/>
-                <a:uLnTx/>
-                <a:uFillTx/>
-                <a:latin typeface="Consolas" pitchFamily="49" charset="0"/>
-                <a:ea typeface=""/>
-                <a:cs typeface="Consolas" pitchFamily="49" charset="0"/>
-              </a:rPr>
-              <a:t>-node</a:t>
-            </a:r>
-          </a:p>
-          <a:p>
-            <a:pPr lvl="0">
-              <a:buClr>
-                <a:srgbClr val="FFFFFF"/>
-              </a:buClr>
-            </a:pPr>
-            <a:r>
-              <a:rPr lang="en-US" sz="3200" dirty="0" err="1" smtClean="0">
-                <a:solidFill>
-                  <a:schemeClr val="bg1"/>
-                </a:solidFill>
-                <a:latin typeface="Consolas" pitchFamily="49" charset="0"/>
-                <a:cs typeface="Consolas" pitchFamily="49" charset="0"/>
-              </a:rPr>
-              <a:t>github.com</a:t>
-            </a:r>
-            <a:r>
-              <a:rPr lang="en-US" sz="3200" dirty="0" smtClean="0">
-                <a:solidFill>
-                  <a:schemeClr val="bg1"/>
-                </a:solidFill>
-                <a:latin typeface="Consolas" pitchFamily="49" charset="0"/>
-                <a:cs typeface="Consolas" pitchFamily="49" charset="0"/>
-              </a:rPr>
-              <a:t>/azure/azure-</a:t>
-            </a:r>
-            <a:r>
-              <a:rPr lang="en-US" sz="3200" dirty="0" err="1" smtClean="0">
-                <a:solidFill>
-                  <a:schemeClr val="bg1"/>
-                </a:solidFill>
-                <a:latin typeface="Consolas" pitchFamily="49" charset="0"/>
-                <a:cs typeface="Consolas" pitchFamily="49" charset="0"/>
-              </a:rPr>
-              <a:t>documentdb</a:t>
-            </a:r>
-            <a:r>
-              <a:rPr lang="en-US" sz="3200" dirty="0" smtClean="0">
-                <a:solidFill>
-                  <a:schemeClr val="bg1"/>
-                </a:solidFill>
-                <a:latin typeface="Consolas" pitchFamily="49" charset="0"/>
-                <a:cs typeface="Consolas" pitchFamily="49" charset="0"/>
-              </a:rPr>
-              <a:t>-net </a:t>
+              <a:t>DocumentDB</a:t>
             </a:r>
             <a:endParaRPr kumimoji="0" lang="en-US" sz="3200" b="0" i="0" u="none" strike="noStrike" kern="1200" cap="none" spc="0" normalizeH="0" baseline="0" noProof="0" dirty="0" smtClean="0">
               <a:ln>
@@ -36105,6 +35947,179 @@
               <a:defRPr/>
             </a:pPr>
             <a:r>
+              <a:rPr kumimoji="0" lang="en-US" sz="3200" b="0" i="0" u="none" strike="noStrike" kern="1200" cap="none" spc="0" normalizeH="0" baseline="0" noProof="0" dirty="0" smtClean="0">
+                <a:ln>
+                  <a:noFill/>
+                </a:ln>
+                <a:solidFill>
+                  <a:schemeClr val="bg1"/>
+                </a:solidFill>
+                <a:effectLst/>
+                <a:uLnTx/>
+                <a:uFillTx/>
+                <a:latin typeface="Consolas" pitchFamily="49" charset="0"/>
+                <a:ea typeface=""/>
+                <a:cs typeface="Consolas" pitchFamily="49" charset="0"/>
+              </a:rPr>
+              <a:t>@</a:t>
+            </a:r>
+            <a:r>
+              <a:rPr kumimoji="0" lang="en-US" sz="3200" b="0" i="0" u="none" strike="noStrike" kern="1200" cap="none" spc="0" normalizeH="0" baseline="0" noProof="0" dirty="0" err="1" smtClean="0">
+                <a:ln>
+                  <a:noFill/>
+                </a:ln>
+                <a:solidFill>
+                  <a:schemeClr val="bg1"/>
+                </a:solidFill>
+                <a:effectLst/>
+                <a:uLnTx/>
+                <a:uFillTx/>
+                <a:latin typeface="Consolas" pitchFamily="49" charset="0"/>
+                <a:ea typeface=""/>
+                <a:cs typeface="Consolas" pitchFamily="49" charset="0"/>
+              </a:rPr>
+              <a:t>dmakogon</a:t>
+            </a:r>
+            <a:endParaRPr kumimoji="0" lang="en-US" sz="3200" b="0" i="0" u="none" strike="noStrike" kern="1200" cap="none" spc="0" normalizeH="0" baseline="0" noProof="0" dirty="0" smtClean="0">
+              <a:ln>
+                <a:noFill/>
+              </a:ln>
+              <a:solidFill>
+                <a:schemeClr val="bg1"/>
+              </a:solidFill>
+              <a:effectLst/>
+              <a:uLnTx/>
+              <a:uFillTx/>
+              <a:latin typeface="Consolas" pitchFamily="49" charset="0"/>
+              <a:ea typeface=""/>
+              <a:cs typeface="Consolas" pitchFamily="49" charset="0"/>
+            </a:endParaRPr>
+          </a:p>
+          <a:p>
+            <a:pPr marL="0" marR="0" lvl="0" indent="0" algn="l" defTabSz="914293" rtl="0" eaLnBrk="1" fontAlgn="auto" latinLnBrk="0" hangingPunct="1">
+              <a:lnSpc>
+                <a:spcPct val="90000"/>
+              </a:lnSpc>
+              <a:spcBef>
+                <a:spcPct val="20000"/>
+              </a:spcBef>
+              <a:spcAft>
+                <a:spcPts val="0"/>
+              </a:spcAft>
+              <a:buClr>
+                <a:srgbClr val="FFFFFF"/>
+              </a:buClr>
+              <a:buSzPct val="90000"/>
+              <a:buFont typeface="Wingdings" panose="05000000000000000000" pitchFamily="2" charset="2"/>
+              <a:buNone/>
+              <a:tabLst/>
+              <a:defRPr/>
+            </a:pPr>
+            <a:r>
+              <a:rPr kumimoji="0" lang="en-US" sz="3200" b="0" i="0" u="none" strike="noStrike" kern="1200" cap="none" spc="0" normalizeH="0" baseline="0" noProof="0" dirty="0" smtClean="0">
+                <a:ln>
+                  <a:noFill/>
+                </a:ln>
+                <a:solidFill>
+                  <a:schemeClr val="bg1"/>
+                </a:solidFill>
+                <a:effectLst/>
+                <a:uLnTx/>
+                <a:uFillTx/>
+                <a:latin typeface="Consolas" pitchFamily="49" charset="0"/>
+                <a:ea typeface=""/>
+                <a:cs typeface="Consolas" pitchFamily="49" charset="0"/>
+              </a:rPr>
+              <a:t>@</a:t>
+            </a:r>
+            <a:r>
+              <a:rPr kumimoji="0" lang="en-US" sz="3200" b="0" i="0" u="none" strike="noStrike" kern="1200" cap="none" spc="0" normalizeH="0" baseline="0" noProof="0" smtClean="0">
+                <a:ln>
+                  <a:noFill/>
+                </a:ln>
+                <a:solidFill>
+                  <a:schemeClr val="bg1"/>
+                </a:solidFill>
+                <a:effectLst/>
+                <a:uLnTx/>
+                <a:uFillTx/>
+                <a:latin typeface="Consolas" pitchFamily="49" charset="0"/>
+                <a:ea typeface=""/>
+                <a:cs typeface="Consolas" pitchFamily="49" charset="0"/>
+              </a:rPr>
+              <a:t>ryancrawcour </a:t>
+            </a:r>
+            <a:endParaRPr kumimoji="0" lang="en-US" sz="3200" b="0" i="0" u="none" strike="noStrike" kern="1200" cap="none" spc="0" normalizeH="0" baseline="0" noProof="0" dirty="0" smtClean="0">
+              <a:ln>
+                <a:noFill/>
+              </a:ln>
+              <a:solidFill>
+                <a:schemeClr val="bg1"/>
+              </a:solidFill>
+              <a:effectLst/>
+              <a:uLnTx/>
+              <a:uFillTx/>
+              <a:latin typeface="Consolas" pitchFamily="49" charset="0"/>
+              <a:ea typeface=""/>
+              <a:cs typeface="Consolas" pitchFamily="49" charset="0"/>
+            </a:endParaRPr>
+          </a:p>
+          <a:p>
+            <a:pPr marL="0" marR="0" lvl="0" indent="0" algn="l" defTabSz="914293" rtl="0" eaLnBrk="1" fontAlgn="auto" latinLnBrk="0" hangingPunct="1">
+              <a:lnSpc>
+                <a:spcPct val="90000"/>
+              </a:lnSpc>
+              <a:spcBef>
+                <a:spcPct val="20000"/>
+              </a:spcBef>
+              <a:spcAft>
+                <a:spcPts val="0"/>
+              </a:spcAft>
+              <a:buClr>
+                <a:srgbClr val="FFFFFF"/>
+              </a:buClr>
+              <a:buSzPct val="90000"/>
+              <a:buFont typeface="Wingdings" panose="05000000000000000000" pitchFamily="2" charset="2"/>
+              <a:buNone/>
+              <a:tabLst/>
+              <a:defRPr/>
+            </a:pPr>
+            <a:endParaRPr kumimoji="0" lang="en-US" sz="3200" b="0" i="0" u="none" strike="noStrike" kern="1200" cap="none" spc="0" normalizeH="0" baseline="0" noProof="0" dirty="0" smtClean="0">
+              <a:ln>
+                <a:noFill/>
+              </a:ln>
+              <a:solidFill>
+                <a:schemeClr val="bg1"/>
+              </a:solidFill>
+              <a:effectLst/>
+              <a:uLnTx/>
+              <a:uFillTx/>
+              <a:latin typeface="Consolas" pitchFamily="49" charset="0"/>
+              <a:ea typeface=""/>
+              <a:cs typeface="Consolas" pitchFamily="49" charset="0"/>
+            </a:endParaRPr>
+          </a:p>
+          <a:p>
+            <a:pPr marL="0" marR="0" lvl="0" indent="0" algn="l" defTabSz="914293" rtl="0" eaLnBrk="1" fontAlgn="auto" latinLnBrk="0" hangingPunct="1">
+              <a:lnSpc>
+                <a:spcPct val="90000"/>
+              </a:lnSpc>
+              <a:spcBef>
+                <a:spcPct val="20000"/>
+              </a:spcBef>
+              <a:spcAft>
+                <a:spcPts val="0"/>
+              </a:spcAft>
+              <a:buClr>
+                <a:srgbClr val="FFFFFF"/>
+              </a:buClr>
+              <a:buSzPct val="90000"/>
+              <a:buFont typeface="Wingdings" panose="05000000000000000000" pitchFamily="2" charset="2"/>
+              <a:buNone/>
+              <a:tabLst/>
+              <a:defRPr/>
+            </a:pPr>
+            <a:r>
               <a:rPr kumimoji="0" lang="en-US" sz="3200" b="0" i="0" u="none" strike="noStrike" kern="1200" cap="none" spc="0" normalizeH="0" baseline="0" noProof="0" dirty="0" err="1" smtClean="0">
                 <a:ln>
                   <a:noFill/>
@@ -36136,6 +36151,156 @@
                 <a:ea typeface=""/>
                 <a:cs typeface="Consolas" pitchFamily="49" charset="0"/>
               </a:rPr>
+              <a:t>/azure/azure-</a:t>
+            </a:r>
+            <a:r>
+              <a:rPr kumimoji="0" lang="en-US" sz="3200" b="0" i="0" u="none" strike="noStrike" kern="1200" cap="none" spc="0" normalizeH="0" baseline="0" noProof="0" dirty="0" err="1" smtClean="0">
+                <a:ln>
+                  <a:noFill/>
+                </a:ln>
+                <a:solidFill>
+                  <a:schemeClr val="bg1"/>
+                </a:solidFill>
+                <a:effectLst/>
+                <a:uLnTx/>
+                <a:uFillTx/>
+                <a:latin typeface="Consolas" pitchFamily="49" charset="0"/>
+                <a:ea typeface=""/>
+                <a:cs typeface="Consolas" pitchFamily="49" charset="0"/>
+              </a:rPr>
+              <a:t>documentdb</a:t>
+            </a:r>
+            <a:r>
+              <a:rPr kumimoji="0" lang="en-US" sz="3200" b="0" i="0" u="none" strike="noStrike" kern="1200" cap="none" spc="0" normalizeH="0" baseline="0" noProof="0" dirty="0" smtClean="0">
+                <a:ln>
+                  <a:noFill/>
+                </a:ln>
+                <a:solidFill>
+                  <a:schemeClr val="bg1"/>
+                </a:solidFill>
+                <a:effectLst/>
+                <a:uLnTx/>
+                <a:uFillTx/>
+                <a:latin typeface="Consolas" pitchFamily="49" charset="0"/>
+                <a:ea typeface=""/>
+                <a:cs typeface="Consolas" pitchFamily="49" charset="0"/>
+              </a:rPr>
+              <a:t>-node</a:t>
+            </a:r>
+          </a:p>
+          <a:p>
+            <a:pPr lvl="0">
+              <a:buClr>
+                <a:srgbClr val="FFFFFF"/>
+              </a:buClr>
+            </a:pPr>
+            <a:r>
+              <a:rPr lang="en-US" sz="3200" dirty="0" err="1" smtClean="0">
+                <a:solidFill>
+                  <a:schemeClr val="bg1"/>
+                </a:solidFill>
+                <a:latin typeface="Consolas" pitchFamily="49" charset="0"/>
+                <a:cs typeface="Consolas" pitchFamily="49" charset="0"/>
+              </a:rPr>
+              <a:t>github.com</a:t>
+            </a:r>
+            <a:r>
+              <a:rPr lang="en-US" sz="3200" dirty="0" smtClean="0">
+                <a:solidFill>
+                  <a:schemeClr val="bg1"/>
+                </a:solidFill>
+                <a:latin typeface="Consolas" pitchFamily="49" charset="0"/>
+                <a:cs typeface="Consolas" pitchFamily="49" charset="0"/>
+              </a:rPr>
+              <a:t>/azure/azure-</a:t>
+            </a:r>
+            <a:r>
+              <a:rPr lang="en-US" sz="3200" dirty="0" err="1" smtClean="0">
+                <a:solidFill>
+                  <a:schemeClr val="bg1"/>
+                </a:solidFill>
+                <a:latin typeface="Consolas" pitchFamily="49" charset="0"/>
+                <a:cs typeface="Consolas" pitchFamily="49" charset="0"/>
+              </a:rPr>
+              <a:t>documentdb</a:t>
+            </a:r>
+            <a:r>
+              <a:rPr lang="en-US" sz="3200" dirty="0" smtClean="0">
+                <a:solidFill>
+                  <a:schemeClr val="bg1"/>
+                </a:solidFill>
+                <a:latin typeface="Consolas" pitchFamily="49" charset="0"/>
+                <a:cs typeface="Consolas" pitchFamily="49" charset="0"/>
+              </a:rPr>
+              <a:t>-net </a:t>
+            </a:r>
+            <a:endParaRPr kumimoji="0" lang="en-US" sz="3200" b="0" i="0" u="none" strike="noStrike" kern="1200" cap="none" spc="0" normalizeH="0" baseline="0" noProof="0" dirty="0" smtClean="0">
+              <a:ln>
+                <a:noFill/>
+              </a:ln>
+              <a:solidFill>
+                <a:schemeClr val="bg1"/>
+              </a:solidFill>
+              <a:effectLst/>
+              <a:uLnTx/>
+              <a:uFillTx/>
+              <a:latin typeface="Consolas" pitchFamily="49" charset="0"/>
+              <a:ea typeface=""/>
+              <a:cs typeface="Consolas" pitchFamily="49" charset="0"/>
+            </a:endParaRPr>
+          </a:p>
+          <a:p>
+            <a:pPr marL="0" marR="0" lvl="0" indent="0" algn="l" defTabSz="914293" rtl="0" eaLnBrk="1" fontAlgn="auto" latinLnBrk="0" hangingPunct="1">
+              <a:lnSpc>
+                <a:spcPct val="90000"/>
+              </a:lnSpc>
+              <a:spcBef>
+                <a:spcPct val="20000"/>
+              </a:spcBef>
+              <a:spcAft>
+                <a:spcPts val="0"/>
+              </a:spcAft>
+              <a:buClr>
+                <a:srgbClr val="FFFFFF"/>
+              </a:buClr>
+              <a:buSzPct val="90000"/>
+              <a:buFont typeface="Wingdings" panose="05000000000000000000" pitchFamily="2" charset="2"/>
+              <a:buNone/>
+              <a:tabLst/>
+              <a:defRPr/>
+            </a:pPr>
+            <a:r>
+              <a:rPr kumimoji="0" lang="en-US" sz="3200" b="0" i="0" u="none" strike="noStrike" kern="1200" cap="none" spc="0" normalizeH="0" baseline="0" noProof="0" dirty="0" err="1" smtClean="0">
+                <a:ln>
+                  <a:noFill/>
+                </a:ln>
+                <a:solidFill>
+                  <a:schemeClr val="bg1"/>
+                </a:solidFill>
+                <a:effectLst/>
+                <a:uLnTx/>
+                <a:uFillTx/>
+                <a:latin typeface="Consolas" pitchFamily="49" charset="0"/>
+                <a:ea typeface=""/>
+                <a:cs typeface="Consolas" pitchFamily="49" charset="0"/>
+              </a:rPr>
+              <a:t>github.com</a:t>
+            </a:r>
+            <a:r>
+              <a:rPr kumimoji="0" lang="en-US" sz="3200" b="0" i="0" u="none" strike="noStrike" kern="1200" cap="none" spc="0" normalizeH="0" baseline="0" noProof="0" dirty="0" smtClean="0">
+                <a:ln>
+                  <a:noFill/>
+                </a:ln>
+                <a:solidFill>
+                  <a:schemeClr val="bg1"/>
+                </a:solidFill>
+                <a:effectLst/>
+                <a:uLnTx/>
+                <a:uFillTx/>
+                <a:latin typeface="Consolas" pitchFamily="49" charset="0"/>
+                <a:ea typeface=""/>
+                <a:cs typeface="Consolas" pitchFamily="49" charset="0"/>
+              </a:rPr>
               <a:t>/</a:t>
             </a:r>
             <a:r>
@@ -36172,6 +36337,95 @@
               </a:rPr>
               <a:t>/azurecon2015</a:t>
             </a:r>
+            <a:endParaRPr lang="en-US" sz="3200" dirty="0">
+              <a:solidFill>
+                <a:schemeClr val="bg1"/>
+              </a:solidFill>
+              <a:latin typeface="Consolas" pitchFamily="49" charset="0"/>
+              <a:ea typeface=""/>
+              <a:cs typeface="Consolas" pitchFamily="49" charset="0"/>
+            </a:endParaRPr>
+          </a:p>
+          <a:p>
+            <a:pPr lvl="0">
+              <a:buClr>
+                <a:srgbClr val="FFFFFF"/>
+              </a:buClr>
+              <a:defRPr/>
+            </a:pPr>
+            <a:r>
+              <a:rPr lang="en-US" sz="3200" dirty="0" err="1" smtClean="0">
+                <a:solidFill>
+                  <a:schemeClr val="bg1"/>
+                </a:solidFill>
+                <a:latin typeface="Consolas" pitchFamily="49" charset="0"/>
+                <a:cs typeface="Consolas" pitchFamily="49" charset="0"/>
+              </a:rPr>
+              <a:t>azure.microsoft.com</a:t>
+            </a:r>
+            <a:r>
+              <a:rPr lang="en-US" sz="3200" dirty="0" smtClean="0">
+                <a:solidFill>
+                  <a:schemeClr val="bg1"/>
+                </a:solidFill>
+                <a:latin typeface="Consolas" pitchFamily="49" charset="0"/>
+                <a:cs typeface="Consolas" pitchFamily="49" charset="0"/>
+              </a:rPr>
+              <a:t>/services/</a:t>
+            </a:r>
+            <a:r>
+              <a:rPr lang="en-US" sz="3200" dirty="0" err="1" smtClean="0">
+                <a:solidFill>
+                  <a:schemeClr val="bg1"/>
+                </a:solidFill>
+                <a:latin typeface="Consolas" pitchFamily="49" charset="0"/>
+                <a:cs typeface="Consolas" pitchFamily="49" charset="0"/>
+              </a:rPr>
+              <a:t>documentdb</a:t>
+            </a:r>
+            <a:r>
+              <a:rPr lang="en-US" sz="3200" dirty="0" smtClean="0">
+                <a:solidFill>
+                  <a:schemeClr val="bg1"/>
+                </a:solidFill>
+                <a:latin typeface="Consolas" pitchFamily="49" charset="0"/>
+                <a:cs typeface="Consolas" pitchFamily="49" charset="0"/>
+              </a:rPr>
+              <a:t> </a:t>
+            </a:r>
+            <a:r>
+              <a:rPr lang="en-US" sz="3200" dirty="0">
+                <a:solidFill>
+                  <a:schemeClr val="bg1"/>
+                </a:solidFill>
+                <a:latin typeface="Consolas" pitchFamily="49" charset="0"/>
+                <a:cs typeface="Consolas" pitchFamily="49" charset="0"/>
+              </a:rPr>
+              <a:t/>
+            </a:r>
+            <a:br>
+              <a:rPr lang="en-US" sz="3200" dirty="0">
+                <a:solidFill>
+                  <a:schemeClr val="bg1"/>
+                </a:solidFill>
+                <a:latin typeface="Consolas" pitchFamily="49" charset="0"/>
+                <a:cs typeface="Consolas" pitchFamily="49" charset="0"/>
+              </a:rPr>
+            </a:br>
+            <a:endParaRPr kumimoji="0" lang="en-US" sz="3200" b="0" i="0" u="none" strike="noStrike" kern="1200" cap="none" spc="0" normalizeH="0" baseline="0" noProof="0" dirty="0" smtClean="0">
+              <a:ln>
+                <a:noFill/>
+              </a:ln>
+              <a:solidFill>
+                <a:schemeClr val="bg1"/>
+              </a:solidFill>
+              <a:effectLst/>
+              <a:uLnTx/>
+              <a:uFillTx/>
+              <a:latin typeface="Consolas" pitchFamily="49" charset="0"/>
+              <a:ea typeface=""/>
+              <a:cs typeface="Consolas" pitchFamily="49" charset="0"/>
+            </a:endParaRPr>
           </a:p>
           <a:p>
             <a:pPr marL="336118" marR="0" lvl="0" indent="-336118" algn="l" defTabSz="914293" rtl="0" eaLnBrk="1" fontAlgn="auto" latinLnBrk="0" hangingPunct="1">
@@ -36232,8 +36486,8 @@
         </p:blipFill>
         <p:spPr>
           <a:xfrm>
-            <a:off x="4547469" y="1410856"/>
-            <a:ext cx="7375293" cy="3368961"/>
+            <a:off x="4817328" y="1271214"/>
+            <a:ext cx="6824546" cy="3117385"/>
           </a:xfrm>
           <a:prstGeom prst="rect">
             <a:avLst/>
